--- a/Source/OxyPlot/Axes/ComposableAxis/Composable Axis.pptx
+++ b/Source/OxyPlot/Axes/ComposableAxis/Composable Axis.pptx
@@ -3565,7 +3565,7 @@
             </a:r>
             <a:r>
               <a:rPr lang="en-GB" dirty="0"/>
-              <a:t>) and `Perpendicular` (Left/</a:t>
+              <a:t>) and `Parallel` (Left/</a:t>
             </a:r>
             <a:r>
               <a:rPr lang="en-GB" b="1" dirty="0"/>
@@ -4571,8 +4571,8 @@
         </p:nvSpPr>
         <p:spPr>
           <a:xfrm rot="16200000">
-            <a:off x="4725905" y="4779094"/>
-            <a:ext cx="1491306" cy="369332"/>
+            <a:off x="5037018" y="4779094"/>
+            <a:ext cx="869084" cy="369332"/>
           </a:xfrm>
           <a:prstGeom prst="rect">
             <a:avLst/>
@@ -4593,7 +4593,7 @@
                   </a:schemeClr>
                 </a:solidFill>
               </a:rPr>
-              <a:t>Perpendicular</a:t>
+              <a:t>Parallel</a:t>
             </a:r>
           </a:p>
         </p:txBody>
@@ -5395,7 +5395,7 @@
                   </a:schemeClr>
                 </a:solidFill>
               </a:rPr>
-              <a:t>Perpendiculars</a:t>
+              <a:t>Parallels</a:t>
             </a:r>
             <a:r>
               <a:rPr lang="en-GB" dirty="0"/>
@@ -6037,8 +6037,8 @@
         </p:nvSpPr>
         <p:spPr>
           <a:xfrm rot="16200000">
-            <a:off x="4725905" y="4779094"/>
-            <a:ext cx="1491306" cy="369332"/>
+            <a:off x="5037018" y="4779094"/>
+            <a:ext cx="869084" cy="369332"/>
           </a:xfrm>
           <a:prstGeom prst="rect">
             <a:avLst/>
@@ -6059,7 +6059,7 @@
                   </a:schemeClr>
                 </a:solidFill>
               </a:rPr>
-              <a:t>Perpendicular</a:t>
+              <a:t>Parallel</a:t>
             </a:r>
           </a:p>
         </p:txBody>
@@ -6682,7 +6682,7 @@
             </a:r>
             <a:r>
               <a:rPr lang="en-GB" dirty="0"/>
-              <a:t> is the displacement from the perpendicular along the normal</a:t>
+              <a:t> is the displacement from the parallel along the normal</a:t>
             </a:r>
           </a:p>
           <a:p>
@@ -6692,7 +6692,7 @@
             </a:r>
             <a:r>
               <a:rPr lang="en-GB" dirty="0"/>
-              <a:t> is displacement from the perpendicular along the negative of the normal</a:t>
+              <a:t> is displacement from the parallel along the negative of the normal</a:t>
             </a:r>
           </a:p>
         </p:txBody>
@@ -7312,8 +7312,8 @@
         </p:nvSpPr>
         <p:spPr>
           <a:xfrm rot="16200000">
-            <a:off x="4725905" y="4779094"/>
-            <a:ext cx="1491306" cy="369332"/>
+            <a:off x="5037018" y="4779094"/>
+            <a:ext cx="869084" cy="369332"/>
           </a:xfrm>
           <a:prstGeom prst="rect">
             <a:avLst/>
@@ -7334,7 +7334,7 @@
                   </a:schemeClr>
                 </a:solidFill>
               </a:rPr>
-              <a:t>Perpendicular</a:t>
+              <a:t>Parallel</a:t>
             </a:r>
           </a:p>
         </p:txBody>
@@ -8126,17 +8126,17 @@
             </a:r>
             <a:r>
               <a:rPr lang="en-GB" dirty="0"/>
-              <a:t> is the displacement from the start of the perpendicular</a:t>
+              <a:t> is the displacement from the start of the parallel</a:t>
             </a:r>
           </a:p>
           <a:p>
             <a:r>
               <a:rPr lang="en-GB" b="1" dirty="0"/>
-              <a:t>Bottom</a:t>
-            </a:r>
-            <a:r>
-              <a:rPr lang="en-GB" dirty="0"/>
-              <a:t> is the displacement from the end of the perpendicular</a:t>
+              <a:t>Right</a:t>
+            </a:r>
+            <a:r>
+              <a:rPr lang="en-GB" dirty="0"/>
+              <a:t> is the displacement from the end of the parallel</a:t>
             </a:r>
           </a:p>
           <a:p>
@@ -8806,8 +8806,8 @@
         </p:nvSpPr>
         <p:spPr>
           <a:xfrm rot="16200000">
-            <a:off x="4725905" y="4779094"/>
-            <a:ext cx="1491306" cy="369332"/>
+            <a:off x="5037018" y="4779094"/>
+            <a:ext cx="869084" cy="369332"/>
           </a:xfrm>
           <a:prstGeom prst="rect">
             <a:avLst/>
@@ -8828,7 +8828,7 @@
                   </a:schemeClr>
                 </a:solidFill>
               </a:rPr>
-              <a:t>Perpendicular</a:t>
+              <a:t>Parallel</a:t>
             </a:r>
           </a:p>
         </p:txBody>
@@ -10547,13 +10547,8 @@
           <a:p>
             <a:r>
               <a:rPr lang="en-GB" dirty="0"/>
-              <a:t>Provides a minimal interface for constraints/slaving </a:t>
-            </a:r>
-            <a:r>
-              <a:rPr lang="en-GB"/>
-              <a:t>between axes</a:t>
-            </a:r>
-            <a:endParaRPr lang="en-GB" dirty="0"/>
+              <a:t>Provides a minimal interface for constraints/slaving between axes</a:t>
+            </a:r>
           </a:p>
         </p:txBody>
       </p:sp>
@@ -13762,6 +13757,251 @@
           </a:p>
         </p:txBody>
       </p:sp>
+      <p:sp>
+        <p:nvSpPr>
+          <p:cNvPr id="239" name="TextBox 238">
+            <a:extLst>
+              <a:ext uri="{FF2B5EF4-FFF2-40B4-BE49-F238E27FC236}">
+                <a16:creationId xmlns:a16="http://schemas.microsoft.com/office/drawing/2014/main" id="{FD6ED828-D414-4E18-AFED-6C870A3135A4}"/>
+              </a:ext>
+            </a:extLst>
+          </p:cNvPr>
+          <p:cNvSpPr txBox="1"/>
+          <p:nvPr/>
+        </p:nvSpPr>
+        <p:spPr>
+          <a:xfrm>
+            <a:off x="4280804" y="3331609"/>
+            <a:ext cx="551754" cy="369332"/>
+          </a:xfrm>
+          <a:prstGeom prst="rect">
+            <a:avLst/>
+          </a:prstGeom>
+          <a:noFill/>
+        </p:spPr>
+        <p:txBody>
+          <a:bodyPr wrap="none" rtlCol="0">
+            <a:spAutoFit/>
+          </a:bodyPr>
+          <a:lstStyle/>
+          <a:p>
+            <a:r>
+              <a:rPr lang="en-GB" dirty="0"/>
+              <a:t>Tick</a:t>
+            </a:r>
+          </a:p>
+        </p:txBody>
+      </p:sp>
+      <p:cxnSp>
+        <p:nvCxnSpPr>
+          <p:cNvPr id="240" name="Straight Arrow Connector 239">
+            <a:extLst>
+              <a:ext uri="{FF2B5EF4-FFF2-40B4-BE49-F238E27FC236}">
+                <a16:creationId xmlns:a16="http://schemas.microsoft.com/office/drawing/2014/main" id="{C75F522A-44DA-4901-8066-7C39D20FDB72}"/>
+              </a:ext>
+            </a:extLst>
+          </p:cNvPr>
+          <p:cNvCxnSpPr>
+            <a:cxnSpLocks/>
+            <a:stCxn id="77" idx="0"/>
+          </p:cNvCxnSpPr>
+          <p:nvPr/>
+        </p:nvCxnSpPr>
+        <p:spPr>
+          <a:xfrm flipV="1">
+            <a:off x="4355599" y="3685592"/>
+            <a:ext cx="84667" cy="493297"/>
+          </a:xfrm>
+          <a:prstGeom prst="straightConnector1">
+            <a:avLst/>
+          </a:prstGeom>
+          <a:ln>
+            <a:tailEnd type="arrow"/>
+          </a:ln>
+        </p:spPr>
+        <p:style>
+          <a:lnRef idx="1">
+            <a:schemeClr val="accent1"/>
+          </a:lnRef>
+          <a:fillRef idx="0">
+            <a:schemeClr val="accent1"/>
+          </a:fillRef>
+          <a:effectRef idx="0">
+            <a:schemeClr val="accent1"/>
+          </a:effectRef>
+          <a:fontRef idx="minor">
+            <a:schemeClr val="tx1"/>
+          </a:fontRef>
+        </p:style>
+      </p:cxnSp>
+      <p:cxnSp>
+        <p:nvCxnSpPr>
+          <p:cNvPr id="243" name="Straight Arrow Connector 242">
+            <a:extLst>
+              <a:ext uri="{FF2B5EF4-FFF2-40B4-BE49-F238E27FC236}">
+                <a16:creationId xmlns:a16="http://schemas.microsoft.com/office/drawing/2014/main" id="{67897040-F3D7-473D-8D32-68741768988A}"/>
+              </a:ext>
+            </a:extLst>
+          </p:cNvPr>
+          <p:cNvCxnSpPr>
+            <a:cxnSpLocks/>
+            <a:stCxn id="215" idx="0"/>
+          </p:cNvCxnSpPr>
+          <p:nvPr/>
+        </p:nvCxnSpPr>
+        <p:spPr>
+          <a:xfrm flipV="1">
+            <a:off x="4373878" y="3732828"/>
+            <a:ext cx="228950" cy="1513222"/>
+          </a:xfrm>
+          <a:prstGeom prst="straightConnector1">
+            <a:avLst/>
+          </a:prstGeom>
+          <a:ln>
+            <a:tailEnd type="arrow"/>
+          </a:ln>
+        </p:spPr>
+        <p:style>
+          <a:lnRef idx="1">
+            <a:schemeClr val="accent1"/>
+          </a:lnRef>
+          <a:fillRef idx="0">
+            <a:schemeClr val="accent1"/>
+          </a:fillRef>
+          <a:effectRef idx="0">
+            <a:schemeClr val="accent1"/>
+          </a:effectRef>
+          <a:fontRef idx="minor">
+            <a:schemeClr val="tx1"/>
+          </a:fontRef>
+        </p:style>
+      </p:cxnSp>
+      <p:cxnSp>
+        <p:nvCxnSpPr>
+          <p:cNvPr id="248" name="Straight Arrow Connector 247">
+            <a:extLst>
+              <a:ext uri="{FF2B5EF4-FFF2-40B4-BE49-F238E27FC236}">
+                <a16:creationId xmlns:a16="http://schemas.microsoft.com/office/drawing/2014/main" id="{4BEFDF05-BCF6-41D6-9DAF-9C29E1858B94}"/>
+              </a:ext>
+            </a:extLst>
+          </p:cNvPr>
+          <p:cNvCxnSpPr>
+            <a:cxnSpLocks/>
+          </p:cNvCxnSpPr>
+          <p:nvPr/>
+        </p:nvCxnSpPr>
+        <p:spPr>
+          <a:xfrm flipH="1" flipV="1">
+            <a:off x="4876800" y="3593432"/>
+            <a:ext cx="214358" cy="172422"/>
+          </a:xfrm>
+          <a:prstGeom prst="straightConnector1">
+            <a:avLst/>
+          </a:prstGeom>
+          <a:ln>
+            <a:solidFill>
+              <a:srgbClr val="00B050"/>
+            </a:solidFill>
+            <a:tailEnd type="triangle"/>
+          </a:ln>
+        </p:spPr>
+        <p:style>
+          <a:lnRef idx="1">
+            <a:schemeClr val="accent1"/>
+          </a:lnRef>
+          <a:fillRef idx="0">
+            <a:schemeClr val="accent1"/>
+          </a:fillRef>
+          <a:effectRef idx="0">
+            <a:schemeClr val="accent1"/>
+          </a:effectRef>
+          <a:fontRef idx="minor">
+            <a:schemeClr val="tx1"/>
+          </a:fontRef>
+        </p:style>
+      </p:cxnSp>
+      <p:cxnSp>
+        <p:nvCxnSpPr>
+          <p:cNvPr id="256" name="Straight Arrow Connector 255">
+            <a:extLst>
+              <a:ext uri="{FF2B5EF4-FFF2-40B4-BE49-F238E27FC236}">
+                <a16:creationId xmlns:a16="http://schemas.microsoft.com/office/drawing/2014/main" id="{BFED038C-065B-452E-AD8F-27CADD959A1C}"/>
+              </a:ext>
+            </a:extLst>
+          </p:cNvPr>
+          <p:cNvCxnSpPr>
+            <a:cxnSpLocks/>
+          </p:cNvCxnSpPr>
+          <p:nvPr/>
+        </p:nvCxnSpPr>
+        <p:spPr>
+          <a:xfrm flipH="1" flipV="1">
+            <a:off x="4706744" y="3701727"/>
+            <a:ext cx="644869" cy="1160134"/>
+          </a:xfrm>
+          <a:prstGeom prst="straightConnector1">
+            <a:avLst/>
+          </a:prstGeom>
+          <a:ln>
+            <a:tailEnd type="arrow"/>
+          </a:ln>
+        </p:spPr>
+        <p:style>
+          <a:lnRef idx="1">
+            <a:schemeClr val="accent1"/>
+          </a:lnRef>
+          <a:fillRef idx="0">
+            <a:schemeClr val="accent1"/>
+          </a:fillRef>
+          <a:effectRef idx="0">
+            <a:schemeClr val="accent1"/>
+          </a:effectRef>
+          <a:fontRef idx="minor">
+            <a:schemeClr val="tx1"/>
+          </a:fontRef>
+        </p:style>
+      </p:cxnSp>
+      <p:cxnSp>
+        <p:nvCxnSpPr>
+          <p:cNvPr id="259" name="Straight Arrow Connector 258">
+            <a:extLst>
+              <a:ext uri="{FF2B5EF4-FFF2-40B4-BE49-F238E27FC236}">
+                <a16:creationId xmlns:a16="http://schemas.microsoft.com/office/drawing/2014/main" id="{4CD6B137-BE5D-43E7-825F-6D8D11A79534}"/>
+              </a:ext>
+            </a:extLst>
+          </p:cNvPr>
+          <p:cNvCxnSpPr>
+            <a:cxnSpLocks/>
+          </p:cNvCxnSpPr>
+          <p:nvPr/>
+        </p:nvCxnSpPr>
+        <p:spPr>
+          <a:xfrm flipH="1" flipV="1">
+            <a:off x="4798202" y="3636161"/>
+            <a:ext cx="1979638" cy="1794555"/>
+          </a:xfrm>
+          <a:prstGeom prst="straightConnector1">
+            <a:avLst/>
+          </a:prstGeom>
+          <a:ln>
+            <a:tailEnd type="arrow"/>
+          </a:ln>
+        </p:spPr>
+        <p:style>
+          <a:lnRef idx="1">
+            <a:schemeClr val="accent1"/>
+          </a:lnRef>
+          <a:fillRef idx="0">
+            <a:schemeClr val="accent1"/>
+          </a:fillRef>
+          <a:effectRef idx="0">
+            <a:schemeClr val="accent1"/>
+          </a:effectRef>
+          <a:fontRef idx="minor">
+            <a:schemeClr val="tx1"/>
+          </a:fontRef>
+        </p:style>
+      </p:cxnSp>
     </p:spTree>
     <p:extLst>
       <p:ext uri="{BB962C8B-B14F-4D97-AF65-F5344CB8AC3E}">
